--- a/05_corona_trend_mvp_2020_04_05_v2.pptx
+++ b/05_corona_trend_mvp_2020_04_05_v2.pptx
@@ -14,16 +14,16 @@
     <p:sldId id="400" r:id="rId5"/>
     <p:sldId id="375" r:id="rId6"/>
     <p:sldId id="376" r:id="rId7"/>
-    <p:sldId id="389" r:id="rId8"/>
+    <p:sldId id="401" r:id="rId8"/>
     <p:sldId id="390" r:id="rId9"/>
     <p:sldId id="391" r:id="rId10"/>
-    <p:sldId id="392" r:id="rId11"/>
-    <p:sldId id="394" r:id="rId12"/>
+    <p:sldId id="403" r:id="rId11"/>
+    <p:sldId id="392" r:id="rId12"/>
     <p:sldId id="395" r:id="rId13"/>
-    <p:sldId id="396" r:id="rId14"/>
-    <p:sldId id="397" r:id="rId15"/>
-    <p:sldId id="398" r:id="rId16"/>
-    <p:sldId id="399" r:id="rId17"/>
+    <p:sldId id="404" r:id="rId14"/>
+    <p:sldId id="405" r:id="rId15"/>
+    <p:sldId id="406" r:id="rId16"/>
+    <p:sldId id="407" r:id="rId17"/>
     <p:sldId id="377" r:id="rId18"/>
     <p:sldId id="379" r:id="rId19"/>
     <p:sldId id="378" r:id="rId20"/>
@@ -221,7 +221,7 @@
           <a:p>
             <a:fld id="{14BBDF17-614F-46DD-ACF4-57229D63E37D}" type="datetimeFigureOut">
               <a:rPr lang="en-US" smtClean="0"/>
-              <a:t>4/5/2020</a:t>
+              <a:t>4/8/2020</a:t>
             </a:fld>
             <a:endParaRPr lang="en-US"/>
           </a:p>
@@ -585,7 +585,7 @@
           <a:graphicData uri="http://schemas.openxmlformats.org/presentationml/2006/ole">
             <mc:AlternateContent xmlns:mc="http://schemas.openxmlformats.org/markup-compatibility/2006">
               <mc:Choice xmlns:v="urn:schemas-microsoft-com:vml" Requires="v">
-                <p:oleObj spid="_x0000_s245997" name="think-cell Slide" r:id="rId5" imgW="592" imgH="595" progId="TCLayout.ActiveDocument.1">
+                <p:oleObj spid="_x0000_s246044" name="think-cell Slide" r:id="rId5" imgW="592" imgH="595" progId="TCLayout.ActiveDocument.1">
                   <p:embed/>
                 </p:oleObj>
               </mc:Choice>
@@ -982,7 +982,7 @@
           <a:graphicData uri="http://schemas.openxmlformats.org/presentationml/2006/ole">
             <mc:AlternateContent xmlns:mc="http://schemas.openxmlformats.org/markup-compatibility/2006">
               <mc:Choice xmlns:v="urn:schemas-microsoft-com:vml" Requires="v">
-                <p:oleObj spid="_x0000_s216025" name="think-cell Slide" r:id="rId5" imgW="592" imgH="595" progId="TCLayout.ActiveDocument.1">
+                <p:oleObj spid="_x0000_s248840" name="think-cell Slide" r:id="rId5" imgW="592" imgH="595" progId="TCLayout.ActiveDocument.1">
                   <p:embed/>
                 </p:oleObj>
               </mc:Choice>
@@ -1305,7 +1305,7 @@
           <a:graphicData uri="http://schemas.openxmlformats.org/presentationml/2006/ole">
             <mc:AlternateContent xmlns:mc="http://schemas.openxmlformats.org/markup-compatibility/2006">
               <mc:Choice xmlns:v="urn:schemas-microsoft-com:vml" Requires="v">
-                <p:oleObj spid="_x0000_s247009" name="think-cell Slide" r:id="rId5" imgW="592" imgH="595" progId="TCLayout.ActiveDocument.1">
+                <p:oleObj spid="_x0000_s247056" name="think-cell Slide" r:id="rId5" imgW="592" imgH="595" progId="TCLayout.ActiveDocument.1">
                   <p:embed/>
                 </p:oleObj>
               </mc:Choice>
@@ -1716,7 +1716,7 @@
           <a:graphicData uri="http://schemas.openxmlformats.org/presentationml/2006/ole">
             <mc:AlternateContent xmlns:mc="http://schemas.openxmlformats.org/markup-compatibility/2006">
               <mc:Choice xmlns:v="urn:schemas-microsoft-com:vml" Requires="v">
-                <p:oleObj spid="_x0000_s231049" name="think-cell Slide" r:id="rId5" imgW="592" imgH="595" progId="TCLayout.ActiveDocument.1">
+                <p:oleObj spid="_x0000_s231096" name="think-cell Slide" r:id="rId5" imgW="592" imgH="595" progId="TCLayout.ActiveDocument.1">
                   <p:embed/>
                 </p:oleObj>
               </mc:Choice>
@@ -2148,7 +2148,7 @@
           <a:graphicData uri="http://schemas.openxmlformats.org/presentationml/2006/ole">
             <mc:AlternateContent xmlns:mc="http://schemas.openxmlformats.org/markup-compatibility/2006">
               <mc:Choice xmlns:v="urn:schemas-microsoft-com:vml" Requires="v">
-                <p:oleObj spid="_x0000_s226110" name="think-cell Slide" r:id="rId5" imgW="592" imgH="595" progId="TCLayout.ActiveDocument.1">
+                <p:oleObj spid="_x0000_s226157" name="think-cell Slide" r:id="rId5" imgW="592" imgH="595" progId="TCLayout.ActiveDocument.1">
                   <p:embed/>
                 </p:oleObj>
               </mc:Choice>
@@ -2516,7 +2516,7 @@
           <a:graphicData uri="http://schemas.openxmlformats.org/presentationml/2006/ole">
             <mc:AlternateContent xmlns:mc="http://schemas.openxmlformats.org/markup-compatibility/2006">
               <mc:Choice xmlns:v="urn:schemas-microsoft-com:vml" Requires="v">
-                <p:oleObj spid="_x0000_s215029" name="think-cell Slide" r:id="rId5" imgW="592" imgH="595" progId="TCLayout.ActiveDocument.1">
+                <p:oleObj spid="_x0000_s247844" name="think-cell Slide" r:id="rId5" imgW="592" imgH="595" progId="TCLayout.ActiveDocument.1">
                   <p:embed/>
                 </p:oleObj>
               </mc:Choice>
@@ -2884,7 +2884,7 @@
           <a:graphicData uri="http://schemas.openxmlformats.org/presentationml/2006/ole">
             <mc:AlternateContent xmlns:mc="http://schemas.openxmlformats.org/markup-compatibility/2006">
               <mc:Choice xmlns:v="urn:schemas-microsoft-com:vml" Requires="v">
-                <p:oleObj spid="_x0000_s221076" name="think-cell Slide" r:id="rId5" imgW="592" imgH="595" progId="TCLayout.ActiveDocument.1">
+                <p:oleObj spid="_x0000_s221123" name="think-cell Slide" r:id="rId5" imgW="592" imgH="595" progId="TCLayout.ActiveDocument.1">
                   <p:embed/>
                 </p:oleObj>
               </mc:Choice>
@@ -3114,7 +3114,7 @@
             <a:fld id="{9A71657B-2E7A-4DC9-A23D-AC9485FEC8B3}" type="datetime1">
               <a:rPr lang="en-US" smtClean="0"/>
               <a:pPr/>
-              <a:t>4/5/2020</a:t>
+              <a:t>4/8/2020</a:t>
             </a:fld>
             <a:endParaRPr lang="en-US"/>
           </a:p>
@@ -3294,7 +3294,7 @@
           <a:graphicData uri="http://schemas.openxmlformats.org/presentationml/2006/ole">
             <mc:AlternateContent xmlns:mc="http://schemas.openxmlformats.org/markup-compatibility/2006">
               <mc:Choice xmlns:v="urn:schemas-microsoft-com:vml" Requires="v">
-                <p:oleObj spid="_x0000_s220055" name="think-cell Slide" r:id="rId5" imgW="592" imgH="595" progId="TCLayout.ActiveDocument.1">
+                <p:oleObj spid="_x0000_s220102" name="think-cell Slide" r:id="rId5" imgW="592" imgH="595" progId="TCLayout.ActiveDocument.1">
                   <p:embed/>
                 </p:oleObj>
               </mc:Choice>
@@ -3419,7 +3419,7 @@
             <a:fld id="{9A71657B-2E7A-4DC9-A23D-AC9485FEC8B3}" type="datetime1">
               <a:rPr lang="en-US" smtClean="0"/>
               <a:pPr/>
-              <a:t>4/5/2020</a:t>
+              <a:t>4/8/2020</a:t>
             </a:fld>
             <a:endParaRPr lang="en-US"/>
           </a:p>
@@ -3548,7 +3548,7 @@
           <a:graphicData uri="http://schemas.openxmlformats.org/presentationml/2006/ole">
             <mc:AlternateContent xmlns:mc="http://schemas.openxmlformats.org/markup-compatibility/2006">
               <mc:Choice xmlns:v="urn:schemas-microsoft-com:vml" Requires="v">
-                <p:oleObj spid="_x0000_s232070" name="think-cell Slide" r:id="rId5" imgW="592" imgH="595" progId="TCLayout.ActiveDocument.1">
+                <p:oleObj spid="_x0000_s232117" name="think-cell Slide" r:id="rId5" imgW="592" imgH="595" progId="TCLayout.ActiveDocument.1">
                   <p:embed/>
                 </p:oleObj>
               </mc:Choice>
@@ -3840,7 +3840,7 @@
           <a:graphicData uri="http://schemas.openxmlformats.org/presentationml/2006/ole">
             <mc:AlternateContent xmlns:mc="http://schemas.openxmlformats.org/markup-compatibility/2006">
               <mc:Choice xmlns:v="urn:schemas-microsoft-com:vml" Requires="v">
-                <p:oleObj spid="_x0000_s219034" name="think-cell Slide" r:id="rId14" imgW="592" imgH="595" progId="TCLayout.ActiveDocument.1">
+                <p:oleObj spid="_x0000_s219081" name="think-cell Slide" r:id="rId14" imgW="592" imgH="595" progId="TCLayout.ActiveDocument.1">
                   <p:embed/>
                 </p:oleObj>
               </mc:Choice>
@@ -4068,7 +4068,7 @@
             <a:fld id="{FE15306F-1960-48AF-8CEE-C1253C2F6427}" type="datetime1">
               <a:rPr lang="en-US" smtClean="0"/>
               <a:pPr/>
-              <a:t>4/5/2020</a:t>
+              <a:t>4/8/2020</a:t>
             </a:fld>
             <a:endParaRPr lang="en-US"/>
           </a:p>
@@ -4569,10 +4569,10 @@
       </p:grpSpPr>
       <p:pic>
         <p:nvPicPr>
-          <p:cNvPr id="4" name="Picture 3">
-            <a:extLst>
-              <a:ext uri="{FF2B5EF4-FFF2-40B4-BE49-F238E27FC236}">
-                <a16:creationId xmlns:a16="http://schemas.microsoft.com/office/drawing/2014/main" id="{796585B9-3DF4-416B-98BA-9408AAE3C0F6}"/>
+          <p:cNvPr id="6" name="Picture 5">
+            <a:extLst>
+              <a:ext uri="{FF2B5EF4-FFF2-40B4-BE49-F238E27FC236}">
+                <a16:creationId xmlns:a16="http://schemas.microsoft.com/office/drawing/2014/main" id="{30FD3446-EF4C-48DE-8E2E-81D701353562}"/>
               </a:ext>
             </a:extLst>
           </p:cNvPr>
@@ -4589,8 +4589,8 @@
         </p:blipFill>
         <p:spPr>
           <a:xfrm>
-            <a:off x="359641" y="894606"/>
-            <a:ext cx="7302691" cy="5454869"/>
+            <a:off x="359643" y="894606"/>
+            <a:ext cx="8085110" cy="5361640"/>
           </a:xfrm>
           <a:prstGeom prst="rect">
             <a:avLst/>
@@ -4650,7 +4650,7 @@
           <a:p>
             <a:r>
               <a:rPr lang="en-US" dirty="0"/>
-              <a:t>State View – cumulative incidence till 04/04/2020</a:t>
+              <a:t>State View (grain = town) – population</a:t>
             </a:r>
           </a:p>
         </p:txBody>
@@ -4669,7 +4669,7 @@
         </p:nvSpPr>
         <p:spPr>
           <a:xfrm>
-            <a:off x="6871371" y="2777947"/>
+            <a:off x="2975876" y="1548639"/>
             <a:ext cx="365760" cy="365760"/>
           </a:xfrm>
           <a:prstGeom prst="ellipse">
@@ -4731,8 +4731,8 @@
         </p:nvSpPr>
         <p:spPr>
           <a:xfrm>
-            <a:off x="8013216" y="900003"/>
-            <a:ext cx="3702534" cy="5454869"/>
+            <a:off x="8576236" y="900004"/>
+            <a:ext cx="3139514" cy="5356242"/>
           </a:xfrm>
           <a:prstGeom prst="rect">
             <a:avLst/>
@@ -4759,7 +4759,7 @@
             </a:pPr>
             <a:r>
               <a:rPr lang="en-US" sz="1400" i="1" dirty="0"/>
-              <a:t>Middlesex the largest county by population has the highest number of cases</a:t>
+              <a:t>Middlesex and Worcester counties are the most populated.</a:t>
             </a:r>
           </a:p>
           <a:p>
@@ -4774,7 +4774,201 @@
             </a:pPr>
             <a:r>
               <a:rPr lang="en-US" sz="1400" i="1" dirty="0"/>
-              <a:t>Suffolk county is very densely populated and has a lot of cases despite its lower population counts</a:t>
+              <a:t>The population in Essex and in </a:t>
+            </a:r>
+            <a:r>
+              <a:rPr lang="en-US" sz="1400" i="1" dirty="0" err="1"/>
+              <a:t>Suffox</a:t>
+            </a:r>
+            <a:r>
+              <a:rPr lang="en-US" sz="1400" i="1" dirty="0"/>
+              <a:t> counties are much smaller</a:t>
+            </a:r>
+          </a:p>
+        </p:txBody>
+      </p:sp>
+      <p:sp>
+        <p:nvSpPr>
+          <p:cNvPr id="12" name="Oval 11">
+            <a:extLst>
+              <a:ext uri="{FF2B5EF4-FFF2-40B4-BE49-F238E27FC236}">
+                <a16:creationId xmlns:a16="http://schemas.microsoft.com/office/drawing/2014/main" id="{8CB31073-24FF-4E14-967C-121982EA104D}"/>
+              </a:ext>
+            </a:extLst>
+          </p:cNvPr>
+          <p:cNvSpPr/>
+          <p:nvPr/>
+        </p:nvSpPr>
+        <p:spPr>
+          <a:xfrm>
+            <a:off x="6096000" y="2528131"/>
+            <a:ext cx="365760" cy="365760"/>
+          </a:xfrm>
+          <a:prstGeom prst="ellipse">
+            <a:avLst/>
+          </a:prstGeom>
+          <a:solidFill>
+            <a:srgbClr val="FF0000"/>
+          </a:solidFill>
+          <a:ln>
+            <a:noFill/>
+          </a:ln>
+          <a:effectLst>
+            <a:outerShdw blurRad="50800" dist="38100" dir="2700000" algn="tl" rotWithShape="0">
+              <a:prstClr val="black">
+                <a:alpha val="40000"/>
+              </a:prstClr>
+            </a:outerShdw>
+          </a:effectLst>
+        </p:spPr>
+        <p:style>
+          <a:lnRef idx="2">
+            <a:schemeClr val="accent1">
+              <a:shade val="50000"/>
+            </a:schemeClr>
+          </a:lnRef>
+          <a:fillRef idx="1">
+            <a:schemeClr val="accent1"/>
+          </a:fillRef>
+          <a:effectRef idx="0">
+            <a:schemeClr val="accent1"/>
+          </a:effectRef>
+          <a:fontRef idx="minor">
+            <a:schemeClr val="lt1"/>
+          </a:fontRef>
+        </p:style>
+        <p:txBody>
+          <a:bodyPr rtlCol="0" anchor="ctr"/>
+          <a:lstStyle/>
+          <a:p>
+            <a:pPr algn="ctr"/>
+            <a:r>
+              <a:rPr lang="en-US" dirty="0"/>
+              <a:t>2</a:t>
+            </a:r>
+          </a:p>
+        </p:txBody>
+      </p:sp>
+      <p:sp>
+        <p:nvSpPr>
+          <p:cNvPr id="13" name="Oval 12">
+            <a:extLst>
+              <a:ext uri="{FF2B5EF4-FFF2-40B4-BE49-F238E27FC236}">
+                <a16:creationId xmlns:a16="http://schemas.microsoft.com/office/drawing/2014/main" id="{F3A07F59-9C20-4F66-BAEC-E45761FA8C95}"/>
+              </a:ext>
+            </a:extLst>
+          </p:cNvPr>
+          <p:cNvSpPr/>
+          <p:nvPr/>
+        </p:nvSpPr>
+        <p:spPr>
+          <a:xfrm>
+            <a:off x="110490" y="3246120"/>
+            <a:ext cx="365760" cy="365760"/>
+          </a:xfrm>
+          <a:prstGeom prst="ellipse">
+            <a:avLst/>
+          </a:prstGeom>
+          <a:solidFill>
+            <a:srgbClr val="FF0000"/>
+          </a:solidFill>
+          <a:ln>
+            <a:noFill/>
+          </a:ln>
+          <a:effectLst>
+            <a:outerShdw blurRad="50800" dist="38100" dir="2700000" algn="tl" rotWithShape="0">
+              <a:prstClr val="black">
+                <a:alpha val="40000"/>
+              </a:prstClr>
+            </a:outerShdw>
+          </a:effectLst>
+        </p:spPr>
+        <p:style>
+          <a:lnRef idx="2">
+            <a:schemeClr val="accent1">
+              <a:shade val="50000"/>
+            </a:schemeClr>
+          </a:lnRef>
+          <a:fillRef idx="1">
+            <a:schemeClr val="accent1"/>
+          </a:fillRef>
+          <a:effectRef idx="0">
+            <a:schemeClr val="accent1"/>
+          </a:effectRef>
+          <a:fontRef idx="minor">
+            <a:schemeClr val="lt1"/>
+          </a:fontRef>
+        </p:style>
+        <p:txBody>
+          <a:bodyPr rtlCol="0" anchor="ctr"/>
+          <a:lstStyle/>
+          <a:p>
+            <a:pPr algn="ctr"/>
+            <a:r>
+              <a:rPr lang="en-US" dirty="0"/>
+              <a:t>3</a:t>
+            </a:r>
+          </a:p>
+        </p:txBody>
+      </p:sp>
+      <p:sp>
+        <p:nvSpPr>
+          <p:cNvPr id="17" name="Oval 16">
+            <a:extLst>
+              <a:ext uri="{FF2B5EF4-FFF2-40B4-BE49-F238E27FC236}">
+                <a16:creationId xmlns:a16="http://schemas.microsoft.com/office/drawing/2014/main" id="{D3419667-8A51-4EE8-9C7F-5F2D6643CA02}"/>
+              </a:ext>
+            </a:extLst>
+          </p:cNvPr>
+          <p:cNvSpPr/>
+          <p:nvPr/>
+        </p:nvSpPr>
+        <p:spPr>
+          <a:xfrm>
+            <a:off x="2792996" y="3246120"/>
+            <a:ext cx="365760" cy="365760"/>
+          </a:xfrm>
+          <a:prstGeom prst="ellipse">
+            <a:avLst/>
+          </a:prstGeom>
+          <a:solidFill>
+            <a:srgbClr val="FF0000"/>
+          </a:solidFill>
+          <a:ln>
+            <a:noFill/>
+          </a:ln>
+          <a:effectLst>
+            <a:outerShdw blurRad="50800" dist="38100" dir="2700000" algn="tl" rotWithShape="0">
+              <a:prstClr val="black">
+                <a:alpha val="40000"/>
+              </a:prstClr>
+            </a:outerShdw>
+          </a:effectLst>
+        </p:spPr>
+        <p:style>
+          <a:lnRef idx="2">
+            <a:schemeClr val="accent1">
+              <a:shade val="50000"/>
+            </a:schemeClr>
+          </a:lnRef>
+          <a:fillRef idx="1">
+            <a:schemeClr val="accent1"/>
+          </a:fillRef>
+          <a:effectRef idx="0">
+            <a:schemeClr val="accent1"/>
+          </a:effectRef>
+          <a:fontRef idx="minor">
+            <a:schemeClr val="lt1"/>
+          </a:fontRef>
+        </p:style>
+        <p:txBody>
+          <a:bodyPr rtlCol="0" anchor="ctr"/>
+          <a:lstStyle/>
+          <a:p>
+            <a:pPr algn="ctr"/>
+            <a:r>
+              <a:rPr lang="en-US" dirty="0"/>
+              <a:t>4</a:t>
             </a:r>
           </a:p>
         </p:txBody>
@@ -4782,7 +4976,7 @@
     </p:spTree>
     <p:extLst>
       <p:ext uri="{BB962C8B-B14F-4D97-AF65-F5344CB8AC3E}">
-        <p14:creationId xmlns:p14="http://schemas.microsoft.com/office/powerpoint/2010/main" val="1280195811"/>
+        <p14:creationId xmlns:p14="http://schemas.microsoft.com/office/powerpoint/2010/main" val="1270771375"/>
       </p:ext>
     </p:extLst>
   </p:cSld>
@@ -4814,7 +5008,7 @@
           <p:cNvPr id="6" name="Picture 5">
             <a:extLst>
               <a:ext uri="{FF2B5EF4-FFF2-40B4-BE49-F238E27FC236}">
-                <a16:creationId xmlns:a16="http://schemas.microsoft.com/office/drawing/2014/main" id="{0CF8F34F-89BC-4BE9-A895-C8C6CE0CD92C}"/>
+                <a16:creationId xmlns:a16="http://schemas.microsoft.com/office/drawing/2014/main" id="{852782A7-BC7C-4B87-B19D-23BCC440FB7D}"/>
               </a:ext>
             </a:extLst>
           </p:cNvPr>
@@ -4832,11 +5026,18 @@
         <p:spPr>
           <a:xfrm>
             <a:off x="359641" y="894606"/>
-            <a:ext cx="7302691" cy="5454869"/>
+            <a:ext cx="8225695" cy="5454869"/>
           </a:xfrm>
           <a:prstGeom prst="rect">
             <a:avLst/>
           </a:prstGeom>
+          <a:effectLst>
+            <a:outerShdw blurRad="50800" dist="38100" dir="2700000" algn="tl" rotWithShape="0">
+              <a:prstClr val="black">
+                <a:alpha val="40000"/>
+              </a:prstClr>
+            </a:outerShdw>
+          </a:effectLst>
         </p:spPr>
       </p:pic>
       <p:sp>
@@ -4892,7 +5093,7 @@
           <a:p>
             <a:r>
               <a:rPr lang="en-US" dirty="0"/>
-              <a:t>State View – population size in 04/04/2020</a:t>
+              <a:t>State View – cumulative incidence till 04/07/2020</a:t>
             </a:r>
           </a:p>
         </p:txBody>
@@ -4911,7 +5112,7 @@
         </p:nvSpPr>
         <p:spPr>
           <a:xfrm>
-            <a:off x="6871371" y="2777947"/>
+            <a:off x="65000" y="2192253"/>
             <a:ext cx="365760" cy="365760"/>
           </a:xfrm>
           <a:prstGeom prst="ellipse">
@@ -4973,8 +5174,8 @@
         </p:nvSpPr>
         <p:spPr>
           <a:xfrm>
-            <a:off x="8013216" y="900003"/>
-            <a:ext cx="3702534" cy="5454869"/>
+            <a:off x="8737600" y="894607"/>
+            <a:ext cx="2978150" cy="5460266"/>
           </a:xfrm>
           <a:prstGeom prst="rect">
             <a:avLst/>
@@ -5001,22 +5202,15 @@
             </a:pPr>
             <a:r>
               <a:rPr lang="en-US" sz="1400" i="1" dirty="0"/>
-              <a:t>Middlesex the largest county by population</a:t>
+              <a:t>Although Middlesex is the </a:t>
             </a:r>
-          </a:p>
-          <a:p>
-            <a:pPr marL="342900" indent="-342900">
-              <a:buAutoNum type="arabicParenR"/>
-            </a:pPr>
-            <a:endParaRPr lang="en-US" sz="1400" i="1" dirty="0"/>
-          </a:p>
-          <a:p>
-            <a:pPr marL="342900" indent="-342900">
-              <a:buAutoNum type="arabicParenR"/>
-            </a:pPr>
+            <a:r>
+              <a:rPr lang="en-US" sz="1400" i="1" dirty="0" err="1"/>
+              <a:t>the</a:t>
+            </a:r>
             <a:r>
               <a:rPr lang="en-US" sz="1400" i="1" dirty="0"/>
-              <a:t>Worcester county has nearly ½ the size of population as in Worcester</a:t>
+              <a:t> largest county by population, Suffolk county has more cases likely due to population density </a:t>
             </a:r>
           </a:p>
         </p:txBody>
@@ -5024,7 +5218,7 @@
     </p:spTree>
     <p:extLst>
       <p:ext uri="{BB962C8B-B14F-4D97-AF65-F5344CB8AC3E}">
-        <p14:creationId xmlns:p14="http://schemas.microsoft.com/office/powerpoint/2010/main" val="3610103158"/>
+        <p14:creationId xmlns:p14="http://schemas.microsoft.com/office/powerpoint/2010/main" val="1280195811"/>
       </p:ext>
     </p:extLst>
   </p:cSld>
@@ -5053,10 +5247,10 @@
       </p:grpSpPr>
       <p:pic>
         <p:nvPicPr>
-          <p:cNvPr id="6" name="Picture 5">
-            <a:extLst>
-              <a:ext uri="{FF2B5EF4-FFF2-40B4-BE49-F238E27FC236}">
-                <a16:creationId xmlns:a16="http://schemas.microsoft.com/office/drawing/2014/main" id="{7571A9C9-4FD9-4FEC-B290-C334406A5667}"/>
+          <p:cNvPr id="10" name="Picture 9">
+            <a:extLst>
+              <a:ext uri="{FF2B5EF4-FFF2-40B4-BE49-F238E27FC236}">
+                <a16:creationId xmlns:a16="http://schemas.microsoft.com/office/drawing/2014/main" id="{3C5471EA-4803-4544-9112-F87D67EF1F0D}"/>
               </a:ext>
             </a:extLst>
           </p:cNvPr>
@@ -5073,12 +5267,19 @@
         </p:blipFill>
         <p:spPr>
           <a:xfrm>
-            <a:off x="359641" y="894606"/>
-            <a:ext cx="7302691" cy="5454869"/>
+            <a:off x="322728" y="900002"/>
+            <a:ext cx="8225692" cy="5454867"/>
           </a:xfrm>
           <a:prstGeom prst="rect">
             <a:avLst/>
           </a:prstGeom>
+          <a:effectLst>
+            <a:outerShdw blurRad="50800" dist="38100" dir="2700000" algn="tl" rotWithShape="0">
+              <a:prstClr val="black">
+                <a:alpha val="40000"/>
+              </a:prstClr>
+            </a:outerShdw>
+          </a:effectLst>
         </p:spPr>
       </p:pic>
       <p:sp>
@@ -5134,7 +5335,7 @@
           <a:p>
             <a:r>
               <a:rPr lang="en-US" dirty="0"/>
-              <a:t>Town trend – incidence rate</a:t>
+              <a:t>Town trend – incidence trend over time</a:t>
             </a:r>
           </a:p>
         </p:txBody>
@@ -5153,7 +5354,7 @@
         </p:nvSpPr>
         <p:spPr>
           <a:xfrm>
-            <a:off x="6871371" y="2777947"/>
+            <a:off x="7200077" y="2664394"/>
             <a:ext cx="365760" cy="365760"/>
           </a:xfrm>
           <a:prstGeom prst="ellipse">
@@ -5215,8 +5416,8 @@
         </p:nvSpPr>
         <p:spPr>
           <a:xfrm>
-            <a:off x="8013216" y="900003"/>
-            <a:ext cx="3702534" cy="5454869"/>
+            <a:off x="8612094" y="900003"/>
+            <a:ext cx="3103656" cy="5454869"/>
           </a:xfrm>
           <a:prstGeom prst="rect">
             <a:avLst/>
@@ -5243,7 +5444,7 @@
             </a:pPr>
             <a:r>
               <a:rPr lang="en-US" sz="1400" i="1" dirty="0"/>
-              <a:t>Middlesex the largest county by population has the highest number of cases</a:t>
+              <a:t>The user can drill into and add / remove towns to understand trends</a:t>
             </a:r>
           </a:p>
           <a:p>
@@ -5258,7 +5459,146 @@
             </a:pPr>
             <a:r>
               <a:rPr lang="en-US" sz="1400" i="1" dirty="0"/>
-              <a:t>As of 04/04/2020, Middlesex county still is in its growth phase. Growth does not seem to be abating</a:t>
+              <a:t>7 different trends and 2 views (at the state-level or at an individual-town level) help one to understand different growth disease spread patterns</a:t>
+            </a:r>
+          </a:p>
+          <a:p>
+            <a:pPr marL="342900" indent="-342900">
+              <a:buAutoNum type="arabicParenR"/>
+            </a:pPr>
+            <a:endParaRPr lang="en-US" sz="1400" i="1" dirty="0"/>
+          </a:p>
+          <a:p>
+            <a:pPr marL="342900" indent="-342900">
+              <a:buAutoNum type="arabicParenR"/>
+            </a:pPr>
+            <a:r>
+              <a:rPr lang="en-US" sz="1400" i="1" dirty="0"/>
+              <a:t>The chart on the left auto-refreshes based on selections</a:t>
+            </a:r>
+          </a:p>
+        </p:txBody>
+      </p:sp>
+      <p:sp>
+        <p:nvSpPr>
+          <p:cNvPr id="8" name="Oval 7">
+            <a:extLst>
+              <a:ext uri="{FF2B5EF4-FFF2-40B4-BE49-F238E27FC236}">
+                <a16:creationId xmlns:a16="http://schemas.microsoft.com/office/drawing/2014/main" id="{EFB050FF-A13B-46D8-B552-8BA84C6D7C57}"/>
+              </a:ext>
+            </a:extLst>
+          </p:cNvPr>
+          <p:cNvSpPr/>
+          <p:nvPr/>
+        </p:nvSpPr>
+        <p:spPr>
+          <a:xfrm>
+            <a:off x="7200077" y="3943358"/>
+            <a:ext cx="365760" cy="365760"/>
+          </a:xfrm>
+          <a:prstGeom prst="ellipse">
+            <a:avLst/>
+          </a:prstGeom>
+          <a:solidFill>
+            <a:srgbClr val="FF0000"/>
+          </a:solidFill>
+          <a:ln>
+            <a:noFill/>
+          </a:ln>
+          <a:effectLst>
+            <a:outerShdw blurRad="50800" dist="38100" dir="2700000" algn="tl" rotWithShape="0">
+              <a:prstClr val="black">
+                <a:alpha val="40000"/>
+              </a:prstClr>
+            </a:outerShdw>
+          </a:effectLst>
+        </p:spPr>
+        <p:style>
+          <a:lnRef idx="2">
+            <a:schemeClr val="accent1">
+              <a:shade val="50000"/>
+            </a:schemeClr>
+          </a:lnRef>
+          <a:fillRef idx="1">
+            <a:schemeClr val="accent1"/>
+          </a:fillRef>
+          <a:effectRef idx="0">
+            <a:schemeClr val="accent1"/>
+          </a:effectRef>
+          <a:fontRef idx="minor">
+            <a:schemeClr val="lt1"/>
+          </a:fontRef>
+        </p:style>
+        <p:txBody>
+          <a:bodyPr rtlCol="0" anchor="ctr"/>
+          <a:lstStyle/>
+          <a:p>
+            <a:pPr algn="ctr"/>
+            <a:r>
+              <a:rPr lang="en-US" dirty="0"/>
+              <a:t>2</a:t>
+            </a:r>
+          </a:p>
+        </p:txBody>
+      </p:sp>
+      <p:sp>
+        <p:nvSpPr>
+          <p:cNvPr id="9" name="Oval 8">
+            <a:extLst>
+              <a:ext uri="{FF2B5EF4-FFF2-40B4-BE49-F238E27FC236}">
+                <a16:creationId xmlns:a16="http://schemas.microsoft.com/office/drawing/2014/main" id="{B1D0D8E0-B4B1-4C4E-B554-973F8CEE1064}"/>
+              </a:ext>
+            </a:extLst>
+          </p:cNvPr>
+          <p:cNvSpPr/>
+          <p:nvPr/>
+        </p:nvSpPr>
+        <p:spPr>
+          <a:xfrm>
+            <a:off x="2717724" y="3550189"/>
+            <a:ext cx="365760" cy="365760"/>
+          </a:xfrm>
+          <a:prstGeom prst="ellipse">
+            <a:avLst/>
+          </a:prstGeom>
+          <a:solidFill>
+            <a:srgbClr val="FF0000"/>
+          </a:solidFill>
+          <a:ln>
+            <a:noFill/>
+          </a:ln>
+          <a:effectLst>
+            <a:outerShdw blurRad="50800" dist="38100" dir="2700000" algn="tl" rotWithShape="0">
+              <a:prstClr val="black">
+                <a:alpha val="40000"/>
+              </a:prstClr>
+            </a:outerShdw>
+          </a:effectLst>
+        </p:spPr>
+        <p:style>
+          <a:lnRef idx="2">
+            <a:schemeClr val="accent1">
+              <a:shade val="50000"/>
+            </a:schemeClr>
+          </a:lnRef>
+          <a:fillRef idx="1">
+            <a:schemeClr val="accent1"/>
+          </a:fillRef>
+          <a:effectRef idx="0">
+            <a:schemeClr val="accent1"/>
+          </a:effectRef>
+          <a:fontRef idx="minor">
+            <a:schemeClr val="lt1"/>
+          </a:fontRef>
+        </p:style>
+        <p:txBody>
+          <a:bodyPr rtlCol="0" anchor="ctr"/>
+          <a:lstStyle/>
+          <a:p>
+            <a:pPr algn="ctr"/>
+            <a:r>
+              <a:rPr lang="en-US" dirty="0"/>
+              <a:t>3</a:t>
             </a:r>
           </a:p>
         </p:txBody>
@@ -5298,7 +5638,7 @@
           <p:cNvPr id="4" name="Picture 3">
             <a:extLst>
               <a:ext uri="{FF2B5EF4-FFF2-40B4-BE49-F238E27FC236}">
-                <a16:creationId xmlns:a16="http://schemas.microsoft.com/office/drawing/2014/main" id="{CC8B7301-BFCF-40BA-955B-93702FBF2FC0}"/>
+                <a16:creationId xmlns:a16="http://schemas.microsoft.com/office/drawing/2014/main" id="{BA03DF35-1746-4E16-8D4E-95340C1FBF01}"/>
               </a:ext>
             </a:extLst>
           </p:cNvPr>
@@ -5315,12 +5655,19 @@
         </p:blipFill>
         <p:spPr>
           <a:xfrm>
-            <a:off x="359641" y="894606"/>
-            <a:ext cx="7302691" cy="5454869"/>
+            <a:off x="322728" y="900002"/>
+            <a:ext cx="8225692" cy="5454868"/>
           </a:xfrm>
           <a:prstGeom prst="rect">
             <a:avLst/>
           </a:prstGeom>
+          <a:effectLst>
+            <a:outerShdw blurRad="50800" dist="38100" dir="2700000" algn="tl" rotWithShape="0">
+              <a:prstClr val="black">
+                <a:alpha val="40000"/>
+              </a:prstClr>
+            </a:outerShdw>
+          </a:effectLst>
         </p:spPr>
       </p:pic>
       <p:sp>
@@ -5376,7 +5723,7 @@
           <a:p>
             <a:r>
               <a:rPr lang="en-US" dirty="0"/>
-              <a:t>Town trend – incidence growth</a:t>
+              <a:t>Town trend – incidence trend over time</a:t>
             </a:r>
           </a:p>
         </p:txBody>
@@ -5395,7 +5742,7 @@
         </p:nvSpPr>
         <p:spPr>
           <a:xfrm>
-            <a:off x="6918996" y="3349447"/>
+            <a:off x="6207983" y="5497241"/>
             <a:ext cx="365760" cy="365760"/>
           </a:xfrm>
           <a:prstGeom prst="ellipse">
@@ -5457,8 +5804,8 @@
         </p:nvSpPr>
         <p:spPr>
           <a:xfrm>
-            <a:off x="8013216" y="900003"/>
-            <a:ext cx="3702534" cy="5454869"/>
+            <a:off x="8612094" y="900003"/>
+            <a:ext cx="3103656" cy="5454869"/>
           </a:xfrm>
           <a:prstGeom prst="rect">
             <a:avLst/>
@@ -5485,22 +5832,69 @@
             </a:pPr>
             <a:r>
               <a:rPr lang="en-US" sz="1400" i="1" dirty="0"/>
-              <a:t>Day over day growth is still high confirming the previous hypothesis that Middlesex county is still in its growth phase.</a:t>
+              <a:t>Toggling to the state view, one can see the state-level information</a:t>
             </a:r>
           </a:p>
-          <a:p>
-            <a:pPr marL="342900" indent="-342900">
-              <a:buAutoNum type="arabicParenR"/>
-            </a:pPr>
-            <a:endParaRPr lang="en-US" sz="1400" i="1" dirty="0"/>
-          </a:p>
-          <a:p>
-            <a:pPr marL="342900" indent="-342900">
-              <a:buAutoNum type="arabicParenR"/>
-            </a:pPr>
+        </p:txBody>
+      </p:sp>
+      <p:sp>
+        <p:nvSpPr>
+          <p:cNvPr id="8" name="Oval 7">
+            <a:extLst>
+              <a:ext uri="{FF2B5EF4-FFF2-40B4-BE49-F238E27FC236}">
+                <a16:creationId xmlns:a16="http://schemas.microsoft.com/office/drawing/2014/main" id="{EFB050FF-A13B-46D8-B552-8BA84C6D7C57}"/>
+              </a:ext>
+            </a:extLst>
+          </p:cNvPr>
+          <p:cNvSpPr/>
+          <p:nvPr/>
+        </p:nvSpPr>
+        <p:spPr>
+          <a:xfrm>
+            <a:off x="4588359" y="3627436"/>
+            <a:ext cx="365760" cy="365760"/>
+          </a:xfrm>
+          <a:prstGeom prst="ellipse">
+            <a:avLst/>
+          </a:prstGeom>
+          <a:solidFill>
+            <a:srgbClr val="FF0000"/>
+          </a:solidFill>
+          <a:ln>
+            <a:noFill/>
+          </a:ln>
+          <a:effectLst>
+            <a:outerShdw blurRad="50800" dist="38100" dir="2700000" algn="tl" rotWithShape="0">
+              <a:prstClr val="black">
+                <a:alpha val="40000"/>
+              </a:prstClr>
+            </a:outerShdw>
+          </a:effectLst>
+        </p:spPr>
+        <p:style>
+          <a:lnRef idx="2">
+            <a:schemeClr val="accent1">
+              <a:shade val="50000"/>
+            </a:schemeClr>
+          </a:lnRef>
+          <a:fillRef idx="1">
+            <a:schemeClr val="accent1"/>
+          </a:fillRef>
+          <a:effectRef idx="0">
+            <a:schemeClr val="accent1"/>
+          </a:effectRef>
+          <a:fontRef idx="minor">
+            <a:schemeClr val="lt1"/>
+          </a:fontRef>
+        </p:style>
+        <p:txBody>
+          <a:bodyPr rtlCol="0" anchor="ctr"/>
+          <a:lstStyle/>
+          <a:p>
+            <a:pPr algn="ctr"/>
             <a:r>
-              <a:rPr lang="en-US" sz="1400" i="1" dirty="0"/>
-              <a:t>Social distancing measures need to continue</a:t>
+              <a:rPr lang="en-US" dirty="0"/>
+              <a:t>2</a:t>
             </a:r>
           </a:p>
         </p:txBody>
@@ -5508,7 +5902,7 @@
     </p:spTree>
     <p:extLst>
       <p:ext uri="{BB962C8B-B14F-4D97-AF65-F5344CB8AC3E}">
-        <p14:creationId xmlns:p14="http://schemas.microsoft.com/office/powerpoint/2010/main" val="2113060992"/>
+        <p14:creationId xmlns:p14="http://schemas.microsoft.com/office/powerpoint/2010/main" val="665277587"/>
       </p:ext>
     </p:extLst>
   </p:cSld>
@@ -5537,10 +5931,10 @@
       </p:grpSpPr>
       <p:pic>
         <p:nvPicPr>
-          <p:cNvPr id="6" name="Picture 5">
-            <a:extLst>
-              <a:ext uri="{FF2B5EF4-FFF2-40B4-BE49-F238E27FC236}">
-                <a16:creationId xmlns:a16="http://schemas.microsoft.com/office/drawing/2014/main" id="{B04F0B7E-24E9-42CD-86A7-8454D63D3FE0}"/>
+          <p:cNvPr id="4" name="Picture 3">
+            <a:extLst>
+              <a:ext uri="{FF2B5EF4-FFF2-40B4-BE49-F238E27FC236}">
+                <a16:creationId xmlns:a16="http://schemas.microsoft.com/office/drawing/2014/main" id="{BECAA951-52F3-4DC7-9E44-CC7D25E5DD3B}"/>
               </a:ext>
             </a:extLst>
           </p:cNvPr>
@@ -5557,12 +5951,19 @@
         </p:blipFill>
         <p:spPr>
           <a:xfrm>
-            <a:off x="359641" y="894606"/>
-            <a:ext cx="7302691" cy="5454869"/>
+            <a:off x="319182" y="900004"/>
+            <a:ext cx="8225693" cy="5454868"/>
           </a:xfrm>
           <a:prstGeom prst="rect">
             <a:avLst/>
           </a:prstGeom>
+          <a:effectLst>
+            <a:outerShdw blurRad="50800" dist="38100" dir="2700000" algn="tl" rotWithShape="0">
+              <a:prstClr val="black">
+                <a:alpha val="40000"/>
+              </a:prstClr>
+            </a:outerShdw>
+          </a:effectLst>
         </p:spPr>
       </p:pic>
       <p:sp>
@@ -5618,7 +6019,7 @@
           <a:p>
             <a:r>
               <a:rPr lang="en-US" dirty="0"/>
-              <a:t>Town trend – incidence growth</a:t>
+              <a:t>Town trend – incidence increase over time</a:t>
             </a:r>
           </a:p>
         </p:txBody>
@@ -5637,7 +6038,7 @@
         </p:nvSpPr>
         <p:spPr>
           <a:xfrm>
-            <a:off x="6528471" y="4406722"/>
+            <a:off x="7200077" y="2664394"/>
             <a:ext cx="365760" cy="365760"/>
           </a:xfrm>
           <a:prstGeom prst="ellipse">
@@ -5699,8 +6100,8 @@
         </p:nvSpPr>
         <p:spPr>
           <a:xfrm>
-            <a:off x="8013216" y="900003"/>
-            <a:ext cx="3702534" cy="5454869"/>
+            <a:off x="8612094" y="900003"/>
+            <a:ext cx="3103656" cy="5454869"/>
           </a:xfrm>
           <a:prstGeom prst="rect">
             <a:avLst/>
@@ -5727,7 +6128,69 @@
             </a:pPr>
             <a:r>
               <a:rPr lang="en-US" sz="1400" i="1" dirty="0"/>
-              <a:t>New incidences are growing around 18% day over day</a:t>
+              <a:t>Incidence counts seem to be a function of size of the counties</a:t>
+            </a:r>
+          </a:p>
+        </p:txBody>
+      </p:sp>
+      <p:sp>
+        <p:nvSpPr>
+          <p:cNvPr id="9" name="Oval 8">
+            <a:extLst>
+              <a:ext uri="{FF2B5EF4-FFF2-40B4-BE49-F238E27FC236}">
+                <a16:creationId xmlns:a16="http://schemas.microsoft.com/office/drawing/2014/main" id="{B1D0D8E0-B4B1-4C4E-B554-973F8CEE1064}"/>
+              </a:ext>
+            </a:extLst>
+          </p:cNvPr>
+          <p:cNvSpPr/>
+          <p:nvPr/>
+        </p:nvSpPr>
+        <p:spPr>
+          <a:xfrm>
+            <a:off x="3811418" y="2847274"/>
+            <a:ext cx="365760" cy="365760"/>
+          </a:xfrm>
+          <a:prstGeom prst="ellipse">
+            <a:avLst/>
+          </a:prstGeom>
+          <a:solidFill>
+            <a:srgbClr val="FF0000"/>
+          </a:solidFill>
+          <a:ln>
+            <a:noFill/>
+          </a:ln>
+          <a:effectLst>
+            <a:outerShdw blurRad="50800" dist="38100" dir="2700000" algn="tl" rotWithShape="0">
+              <a:prstClr val="black">
+                <a:alpha val="40000"/>
+              </a:prstClr>
+            </a:outerShdw>
+          </a:effectLst>
+        </p:spPr>
+        <p:style>
+          <a:lnRef idx="2">
+            <a:schemeClr val="accent1">
+              <a:shade val="50000"/>
+            </a:schemeClr>
+          </a:lnRef>
+          <a:fillRef idx="1">
+            <a:schemeClr val="accent1"/>
+          </a:fillRef>
+          <a:effectRef idx="0">
+            <a:schemeClr val="accent1"/>
+          </a:effectRef>
+          <a:fontRef idx="minor">
+            <a:schemeClr val="lt1"/>
+          </a:fontRef>
+        </p:style>
+        <p:txBody>
+          <a:bodyPr rtlCol="0" anchor="ctr"/>
+          <a:lstStyle/>
+          <a:p>
+            <a:pPr algn="ctr"/>
+            <a:r>
+              <a:rPr lang="en-US" dirty="0"/>
+              <a:t>2</a:t>
             </a:r>
           </a:p>
         </p:txBody>
@@ -5735,7 +6198,7 @@
     </p:spTree>
     <p:extLst>
       <p:ext uri="{BB962C8B-B14F-4D97-AF65-F5344CB8AC3E}">
-        <p14:creationId xmlns:p14="http://schemas.microsoft.com/office/powerpoint/2010/main" val="2220073314"/>
+        <p14:creationId xmlns:p14="http://schemas.microsoft.com/office/powerpoint/2010/main" val="1617610983"/>
       </p:ext>
     </p:extLst>
   </p:cSld>
@@ -5764,10 +6227,10 @@
       </p:grpSpPr>
       <p:pic>
         <p:nvPicPr>
-          <p:cNvPr id="4" name="Picture 3">
-            <a:extLst>
-              <a:ext uri="{FF2B5EF4-FFF2-40B4-BE49-F238E27FC236}">
-                <a16:creationId xmlns:a16="http://schemas.microsoft.com/office/drawing/2014/main" id="{602D7C5E-12B7-4795-B0D0-9C4B5776A116}"/>
+          <p:cNvPr id="6" name="Picture 5">
+            <a:extLst>
+              <a:ext uri="{FF2B5EF4-FFF2-40B4-BE49-F238E27FC236}">
+                <a16:creationId xmlns:a16="http://schemas.microsoft.com/office/drawing/2014/main" id="{C620797B-AA35-4914-AE33-D8C6EC46E6C7}"/>
               </a:ext>
             </a:extLst>
           </p:cNvPr>
@@ -5784,12 +6247,19 @@
         </p:blipFill>
         <p:spPr>
           <a:xfrm>
-            <a:off x="359641" y="894606"/>
-            <a:ext cx="7302691" cy="5454869"/>
+            <a:off x="319182" y="900003"/>
+            <a:ext cx="8225693" cy="5454868"/>
           </a:xfrm>
           <a:prstGeom prst="rect">
             <a:avLst/>
           </a:prstGeom>
+          <a:effectLst>
+            <a:outerShdw blurRad="50800" dist="38100" dir="2700000" algn="tl" rotWithShape="0">
+              <a:prstClr val="black">
+                <a:alpha val="40000"/>
+              </a:prstClr>
+            </a:outerShdw>
+          </a:effectLst>
         </p:spPr>
       </p:pic>
       <p:sp>
@@ -5845,7 +6315,7 @@
           <a:p>
             <a:r>
               <a:rPr lang="en-US" dirty="0"/>
-              <a:t>Town trend – incidence growth</a:t>
+              <a:t>Town trend – incidence increase over time</a:t>
             </a:r>
           </a:p>
         </p:txBody>
@@ -5864,7 +6334,7 @@
         </p:nvSpPr>
         <p:spPr>
           <a:xfrm>
-            <a:off x="6233196" y="3177997"/>
+            <a:off x="7200077" y="2664394"/>
             <a:ext cx="365760" cy="365760"/>
           </a:xfrm>
           <a:prstGeom prst="ellipse">
@@ -5926,8 +6396,8 @@
         </p:nvSpPr>
         <p:spPr>
           <a:xfrm>
-            <a:off x="8013216" y="900003"/>
-            <a:ext cx="3702534" cy="5454869"/>
+            <a:off x="8612094" y="900003"/>
+            <a:ext cx="3103656" cy="5454869"/>
           </a:xfrm>
           <a:prstGeom prst="rect">
             <a:avLst/>
@@ -5954,7 +6424,7 @@
             </a:pPr>
             <a:r>
               <a:rPr lang="en-US" sz="1400" i="1" dirty="0"/>
-              <a:t>Only about 0.14% of population has tested positive. The numbers are relatively small</a:t>
+              <a:t>Incidence counts seem to be a function of size of the counties as most day over day growth rates are almost similar</a:t>
             </a:r>
           </a:p>
           <a:p>
@@ -5964,10 +6434,74 @@
             <a:endParaRPr lang="en-US" sz="1400" i="1" dirty="0"/>
           </a:p>
           <a:p>
-            <a:pPr marL="342900"/>
+            <a:pPr marL="342900" indent="-342900">
+              <a:buAutoNum type="arabicParenR"/>
+            </a:pPr>
             <a:r>
               <a:rPr lang="en-US" sz="1400" i="1" dirty="0"/>
-              <a:t>Should lock-down measures be relaxed sooner rather than later, the new case incidence can significantly spike up</a:t>
+              <a:t>The day over day growth seem to be more or less steady. So, social distancing seems to be indeed helping and will need to continue.</a:t>
+            </a:r>
+          </a:p>
+        </p:txBody>
+      </p:sp>
+      <p:sp>
+        <p:nvSpPr>
+          <p:cNvPr id="9" name="Oval 8">
+            <a:extLst>
+              <a:ext uri="{FF2B5EF4-FFF2-40B4-BE49-F238E27FC236}">
+                <a16:creationId xmlns:a16="http://schemas.microsoft.com/office/drawing/2014/main" id="{B1D0D8E0-B4B1-4C4E-B554-973F8CEE1064}"/>
+              </a:ext>
+            </a:extLst>
+          </p:cNvPr>
+          <p:cNvSpPr/>
+          <p:nvPr/>
+        </p:nvSpPr>
+        <p:spPr>
+          <a:xfrm>
+            <a:off x="3811418" y="2847274"/>
+            <a:ext cx="365760" cy="365760"/>
+          </a:xfrm>
+          <a:prstGeom prst="ellipse">
+            <a:avLst/>
+          </a:prstGeom>
+          <a:solidFill>
+            <a:srgbClr val="FF0000"/>
+          </a:solidFill>
+          <a:ln>
+            <a:noFill/>
+          </a:ln>
+          <a:effectLst>
+            <a:outerShdw blurRad="50800" dist="38100" dir="2700000" algn="tl" rotWithShape="0">
+              <a:prstClr val="black">
+                <a:alpha val="40000"/>
+              </a:prstClr>
+            </a:outerShdw>
+          </a:effectLst>
+        </p:spPr>
+        <p:style>
+          <a:lnRef idx="2">
+            <a:schemeClr val="accent1">
+              <a:shade val="50000"/>
+            </a:schemeClr>
+          </a:lnRef>
+          <a:fillRef idx="1">
+            <a:schemeClr val="accent1"/>
+          </a:fillRef>
+          <a:effectRef idx="0">
+            <a:schemeClr val="accent1"/>
+          </a:effectRef>
+          <a:fontRef idx="minor">
+            <a:schemeClr val="lt1"/>
+          </a:fontRef>
+        </p:style>
+        <p:txBody>
+          <a:bodyPr rtlCol="0" anchor="ctr"/>
+          <a:lstStyle/>
+          <a:p>
+            <a:pPr algn="ctr"/>
+            <a:r>
+              <a:rPr lang="en-US" dirty="0"/>
+              <a:t>2</a:t>
             </a:r>
           </a:p>
         </p:txBody>
@@ -5975,7 +6509,7 @@
     </p:spTree>
     <p:extLst>
       <p:ext uri="{BB962C8B-B14F-4D97-AF65-F5344CB8AC3E}">
-        <p14:creationId xmlns:p14="http://schemas.microsoft.com/office/powerpoint/2010/main" val="4240459197"/>
+        <p14:creationId xmlns:p14="http://schemas.microsoft.com/office/powerpoint/2010/main" val="2578056692"/>
       </p:ext>
     </p:extLst>
   </p:cSld>
@@ -6004,10 +6538,10 @@
       </p:grpSpPr>
       <p:pic>
         <p:nvPicPr>
-          <p:cNvPr id="8" name="Picture 7">
-            <a:extLst>
-              <a:ext uri="{FF2B5EF4-FFF2-40B4-BE49-F238E27FC236}">
-                <a16:creationId xmlns:a16="http://schemas.microsoft.com/office/drawing/2014/main" id="{36A858D2-8665-4011-91A5-FD0D617C095D}"/>
+          <p:cNvPr id="4" name="Picture 3">
+            <a:extLst>
+              <a:ext uri="{FF2B5EF4-FFF2-40B4-BE49-F238E27FC236}">
+                <a16:creationId xmlns:a16="http://schemas.microsoft.com/office/drawing/2014/main" id="{211F73E5-86B5-4451-A4D1-A76B8EBF8408}"/>
               </a:ext>
             </a:extLst>
           </p:cNvPr>
@@ -6024,12 +6558,19 @@
         </p:blipFill>
         <p:spPr>
           <a:xfrm>
-            <a:off x="359641" y="894605"/>
-            <a:ext cx="7302690" cy="5454869"/>
+            <a:off x="319182" y="900003"/>
+            <a:ext cx="8225693" cy="5454868"/>
           </a:xfrm>
           <a:prstGeom prst="rect">
             <a:avLst/>
           </a:prstGeom>
+          <a:effectLst>
+            <a:outerShdw blurRad="50800" dist="38100" dir="2700000" algn="tl" rotWithShape="0">
+              <a:prstClr val="black">
+                <a:alpha val="40000"/>
+              </a:prstClr>
+            </a:outerShdw>
+          </a:effectLst>
         </p:spPr>
       </p:pic>
       <p:sp>
@@ -6085,7 +6626,7 @@
           <a:p>
             <a:r>
               <a:rPr lang="en-US" dirty="0"/>
-              <a:t>Town trend – incidence growth</a:t>
+              <a:t>Data in a data-table</a:t>
             </a:r>
           </a:p>
         </p:txBody>
@@ -6104,7 +6645,7 @@
         </p:nvSpPr>
         <p:spPr>
           <a:xfrm>
-            <a:off x="6804696" y="3063240"/>
+            <a:off x="7200077" y="2664394"/>
             <a:ext cx="365760" cy="365760"/>
           </a:xfrm>
           <a:prstGeom prst="ellipse">
@@ -6166,8 +6707,8 @@
         </p:nvSpPr>
         <p:spPr>
           <a:xfrm>
-            <a:off x="8013216" y="900003"/>
-            <a:ext cx="3702534" cy="5454869"/>
+            <a:off x="8612094" y="900003"/>
+            <a:ext cx="3103656" cy="5454869"/>
           </a:xfrm>
           <a:prstGeom prst="rect">
             <a:avLst/>
@@ -6194,7 +6735,69 @@
             </a:pPr>
             <a:r>
               <a:rPr lang="en-US" sz="1400" i="1" dirty="0"/>
-              <a:t>Deaths rate is also climbing</a:t>
+              <a:t>A data table construct helps navigate the data a bit more easily</a:t>
+            </a:r>
+          </a:p>
+        </p:txBody>
+      </p:sp>
+      <p:sp>
+        <p:nvSpPr>
+          <p:cNvPr id="9" name="Oval 8">
+            <a:extLst>
+              <a:ext uri="{FF2B5EF4-FFF2-40B4-BE49-F238E27FC236}">
+                <a16:creationId xmlns:a16="http://schemas.microsoft.com/office/drawing/2014/main" id="{B1D0D8E0-B4B1-4C4E-B554-973F8CEE1064}"/>
+              </a:ext>
+            </a:extLst>
+          </p:cNvPr>
+          <p:cNvSpPr/>
+          <p:nvPr/>
+        </p:nvSpPr>
+        <p:spPr>
+          <a:xfrm>
+            <a:off x="3811418" y="2847274"/>
+            <a:ext cx="365760" cy="365760"/>
+          </a:xfrm>
+          <a:prstGeom prst="ellipse">
+            <a:avLst/>
+          </a:prstGeom>
+          <a:solidFill>
+            <a:srgbClr val="FF0000"/>
+          </a:solidFill>
+          <a:ln>
+            <a:noFill/>
+          </a:ln>
+          <a:effectLst>
+            <a:outerShdw blurRad="50800" dist="38100" dir="2700000" algn="tl" rotWithShape="0">
+              <a:prstClr val="black">
+                <a:alpha val="40000"/>
+              </a:prstClr>
+            </a:outerShdw>
+          </a:effectLst>
+        </p:spPr>
+        <p:style>
+          <a:lnRef idx="2">
+            <a:schemeClr val="accent1">
+              <a:shade val="50000"/>
+            </a:schemeClr>
+          </a:lnRef>
+          <a:fillRef idx="1">
+            <a:schemeClr val="accent1"/>
+          </a:fillRef>
+          <a:effectRef idx="0">
+            <a:schemeClr val="accent1"/>
+          </a:effectRef>
+          <a:fontRef idx="minor">
+            <a:schemeClr val="lt1"/>
+          </a:fontRef>
+        </p:style>
+        <p:txBody>
+          <a:bodyPr rtlCol="0" anchor="ctr"/>
+          <a:lstStyle/>
+          <a:p>
+            <a:pPr algn="ctr"/>
+            <a:r>
+              <a:rPr lang="en-US" dirty="0"/>
+              <a:t>2</a:t>
             </a:r>
           </a:p>
         </p:txBody>
@@ -6202,7 +6805,7 @@
     </p:spTree>
     <p:extLst>
       <p:ext uri="{BB962C8B-B14F-4D97-AF65-F5344CB8AC3E}">
-        <p14:creationId xmlns:p14="http://schemas.microsoft.com/office/powerpoint/2010/main" val="1700647987"/>
+        <p14:creationId xmlns:p14="http://schemas.microsoft.com/office/powerpoint/2010/main" val="3807537219"/>
       </p:ext>
     </p:extLst>
   </p:cSld>
@@ -12898,7 +13501,7 @@
           <p:nvPr>
             <p:extLst>
               <p:ext uri="{D42A27DB-BD31-4B8C-83A1-F6EECF244321}">
-                <p14:modId xmlns:p14="http://schemas.microsoft.com/office/powerpoint/2010/main" val="202764711"/>
+                <p14:modId xmlns:p14="http://schemas.microsoft.com/office/powerpoint/2010/main" val="508660623"/>
               </p:ext>
             </p:extLst>
           </p:nvPr>
@@ -13204,7 +13807,7 @@
                       </a:pPr>
                       <a:r>
                         <a:rPr lang="en-US" sz="1200" dirty="0"/>
-                        <a:t>74 days of data (2020/01/22 – 2020/04/04)</a:t>
+                        <a:t>77 days of data (2020/01/22 – 2020/04/07)</a:t>
                       </a:r>
                     </a:p>
                     <a:p>
@@ -14447,14 +15050,93 @@
         </p:blipFill>
         <p:spPr>
           <a:xfrm>
-            <a:off x="355811" y="1018123"/>
-            <a:ext cx="9784928" cy="5218628"/>
+            <a:off x="373740" y="1414998"/>
+            <a:ext cx="7951483" cy="4240791"/>
           </a:xfrm>
           <a:prstGeom prst="rect">
             <a:avLst/>
           </a:prstGeom>
         </p:spPr>
       </p:pic>
+      <p:cxnSp>
+        <p:nvCxnSpPr>
+          <p:cNvPr id="6" name="Straight Arrow Connector 5">
+            <a:extLst>
+              <a:ext uri="{FF2B5EF4-FFF2-40B4-BE49-F238E27FC236}">
+                <a16:creationId xmlns:a16="http://schemas.microsoft.com/office/drawing/2014/main" id="{E4217615-4D9F-47EA-AE2A-C1876F394304}"/>
+              </a:ext>
+            </a:extLst>
+          </p:cNvPr>
+          <p:cNvCxnSpPr>
+            <a:cxnSpLocks/>
+          </p:cNvCxnSpPr>
+          <p:nvPr/>
+        </p:nvCxnSpPr>
+        <p:spPr>
+          <a:xfrm flipH="1">
+            <a:off x="8099385" y="2294965"/>
+            <a:ext cx="939572" cy="159940"/>
+          </a:xfrm>
+          <a:prstGeom prst="straightConnector1">
+            <a:avLst/>
+          </a:prstGeom>
+          <a:ln w="38100">
+            <a:solidFill>
+              <a:schemeClr val="tx1"/>
+            </a:solidFill>
+            <a:headEnd type="none" w="med" len="med"/>
+            <a:tailEnd type="triangle" w="med" len="med"/>
+          </a:ln>
+        </p:spPr>
+        <p:style>
+          <a:lnRef idx="1">
+            <a:schemeClr val="accent1"/>
+          </a:lnRef>
+          <a:fillRef idx="0">
+            <a:schemeClr val="accent1"/>
+          </a:fillRef>
+          <a:effectRef idx="0">
+            <a:schemeClr val="accent1"/>
+          </a:effectRef>
+          <a:fontRef idx="minor">
+            <a:schemeClr val="tx1"/>
+          </a:fontRef>
+        </p:style>
+      </p:cxnSp>
+      <p:sp>
+        <p:nvSpPr>
+          <p:cNvPr id="7" name="Rectangle 6">
+            <a:extLst>
+              <a:ext uri="{FF2B5EF4-FFF2-40B4-BE49-F238E27FC236}">
+                <a16:creationId xmlns:a16="http://schemas.microsoft.com/office/drawing/2014/main" id="{4FEA3BA2-452D-4014-A183-D00E97800016}"/>
+              </a:ext>
+            </a:extLst>
+          </p:cNvPr>
+          <p:cNvSpPr/>
+          <p:nvPr/>
+        </p:nvSpPr>
+        <p:spPr>
+          <a:xfrm>
+            <a:off x="9038957" y="1577742"/>
+            <a:ext cx="2695388" cy="1754326"/>
+          </a:xfrm>
+          <a:prstGeom prst="rect">
+            <a:avLst/>
+          </a:prstGeom>
+        </p:spPr>
+        <p:txBody>
+          <a:bodyPr wrap="square">
+            <a:spAutoFit/>
+          </a:bodyPr>
+          <a:lstStyle/>
+          <a:p>
+            <a:r>
+              <a:rPr lang="en-US" i="1" dirty="0"/>
+              <a:t>The difference between actual vs. predicted incidence (where actual incidence is lower) is a good thing.</a:t>
+            </a:r>
+          </a:p>
+        </p:txBody>
+      </p:sp>
     </p:spTree>
     <p:extLst>
       <p:ext uri="{BB962C8B-B14F-4D97-AF65-F5344CB8AC3E}">
@@ -15128,10 +15810,10 @@
       </p:grpSpPr>
       <p:pic>
         <p:nvPicPr>
-          <p:cNvPr id="18" name="Picture 17">
-            <a:extLst>
-              <a:ext uri="{FF2B5EF4-FFF2-40B4-BE49-F238E27FC236}">
-                <a16:creationId xmlns:a16="http://schemas.microsoft.com/office/drawing/2014/main" id="{CAC43B28-7E23-4A5C-93FE-EDD73BFB0F07}"/>
+          <p:cNvPr id="8" name="Picture 7">
+            <a:extLst>
+              <a:ext uri="{FF2B5EF4-FFF2-40B4-BE49-F238E27FC236}">
+                <a16:creationId xmlns:a16="http://schemas.microsoft.com/office/drawing/2014/main" id="{B2B24AF0-C939-43DE-A74E-8EB5D4DF875B}"/>
               </a:ext>
             </a:extLst>
           </p:cNvPr>
@@ -15148,12 +15830,19 @@
         </p:blipFill>
         <p:spPr>
           <a:xfrm>
-            <a:off x="359642" y="900003"/>
-            <a:ext cx="7302690" cy="5454869"/>
+            <a:off x="380173" y="909951"/>
+            <a:ext cx="7597223" cy="5038098"/>
           </a:xfrm>
           <a:prstGeom prst="rect">
             <a:avLst/>
           </a:prstGeom>
+          <a:effectLst>
+            <a:outerShdw blurRad="50800" dist="38100" dir="2700000" algn="tl" rotWithShape="0">
+              <a:prstClr val="black">
+                <a:alpha val="40000"/>
+              </a:prstClr>
+            </a:outerShdw>
+          </a:effectLst>
         </p:spPr>
       </p:pic>
       <p:sp>
@@ -15209,7 +15898,7 @@
           <a:p>
             <a:r>
               <a:rPr lang="en-US" dirty="0"/>
-              <a:t>Dashboard layout – top 20 high risk towns</a:t>
+              <a:t>Dashboard layout</a:t>
             </a:r>
           </a:p>
         </p:txBody>
@@ -15290,8 +15979,8 @@
         </p:nvSpPr>
         <p:spPr>
           <a:xfrm>
-            <a:off x="8013216" y="900003"/>
-            <a:ext cx="3702534" cy="5454869"/>
+            <a:off x="8013216" y="900004"/>
+            <a:ext cx="3702534" cy="5048046"/>
           </a:xfrm>
           <a:prstGeom prst="rect">
             <a:avLst/>
@@ -15333,7 +16022,15 @@
             </a:pPr>
             <a:r>
               <a:rPr lang="en-US" sz="1400" i="1" dirty="0"/>
-              <a:t>US-level view (only looking at the high risk towns) looking at the grain of a town</a:t>
+              <a:t>The 1</a:t>
+            </a:r>
+            <a:r>
+              <a:rPr lang="en-US" sz="1400" i="1" baseline="30000" dirty="0"/>
+              <a:t>st</a:t>
+            </a:r>
+            <a:r>
+              <a:rPr lang="en-US" sz="1400" i="1" dirty="0"/>
+              <a:t> tab is a summary snapshot of the latest trends</a:t>
             </a:r>
           </a:p>
           <a:p>
@@ -15348,7 +16045,15 @@
             </a:pPr>
             <a:r>
               <a:rPr lang="en-US" sz="1400" i="1" dirty="0"/>
-              <a:t>State-level view (only looking at the high risk towns) looking at the grain of a town</a:t>
+              <a:t>The 2</a:t>
+            </a:r>
+            <a:r>
+              <a:rPr lang="en-US" sz="1400" i="1" baseline="30000" dirty="0"/>
+              <a:t>nd</a:t>
+            </a:r>
+            <a:r>
+              <a:rPr lang="en-US" sz="1400" i="1" dirty="0"/>
+              <a:t>  tab has an US-level view of high-risk states/counties</a:t>
             </a:r>
           </a:p>
           <a:p>
@@ -15363,7 +16068,15 @@
             </a:pPr>
             <a:r>
               <a:rPr lang="en-US" sz="1400" i="1" dirty="0"/>
-              <a:t>Town-level view to understand detailed trends</a:t>
+              <a:t>The 3</a:t>
+            </a:r>
+            <a:r>
+              <a:rPr lang="en-US" sz="1400" i="1" baseline="30000" dirty="0"/>
+              <a:t>rd</a:t>
+            </a:r>
+            <a:r>
+              <a:rPr lang="en-US" sz="1400" i="1" dirty="0"/>
+              <a:t> tab has a State-County level view</a:t>
             </a:r>
           </a:p>
           <a:p>
@@ -15378,7 +16091,7 @@
             </a:pPr>
             <a:r>
               <a:rPr lang="en-US" sz="1400" i="1" dirty="0"/>
-              <a:t>Various measures (population size, incidence, increase in incidence over the last day, deaths)</a:t>
+              <a:t>Over-time trends allow one to compare trends across towns</a:t>
             </a:r>
           </a:p>
           <a:p>
@@ -15393,7 +16106,7 @@
             </a:pPr>
             <a:r>
               <a:rPr lang="en-US" sz="1400" i="1" dirty="0"/>
-              <a:t>The towns ranked ordered by descending risk</a:t>
+              <a:t>The data tab allows one to parse through the data</a:t>
             </a:r>
           </a:p>
           <a:p>
@@ -15406,10 +16119,13 @@
             <a:pPr marL="342900" indent="-342900">
               <a:buAutoNum type="arabicParenR"/>
             </a:pPr>
-            <a:r>
-              <a:rPr lang="en-US" sz="1400" i="1" dirty="0"/>
-              <a:t>A distribution of measure</a:t>
-            </a:r>
+            <a:endParaRPr lang="en-US" sz="1400" i="1" dirty="0"/>
+          </a:p>
+          <a:p>
+            <a:pPr marL="342900" indent="-342900">
+              <a:buAutoNum type="arabicParenR"/>
+            </a:pPr>
+            <a:endParaRPr lang="en-US" sz="1400" i="1" dirty="0"/>
           </a:p>
         </p:txBody>
       </p:sp>
@@ -15427,7 +16143,7 @@
         </p:nvSpPr>
         <p:spPr>
           <a:xfrm>
-            <a:off x="2241857" y="1883321"/>
+            <a:off x="430760" y="1594420"/>
             <a:ext cx="365760" cy="365760"/>
           </a:xfrm>
           <a:prstGeom prst="ellipse">
@@ -15489,7 +16205,7 @@
         </p:nvSpPr>
         <p:spPr>
           <a:xfrm>
-            <a:off x="4586949" y="1883321"/>
+            <a:off x="1876097" y="1594420"/>
             <a:ext cx="365760" cy="365760"/>
           </a:xfrm>
           <a:prstGeom prst="ellipse">
@@ -15551,7 +16267,7 @@
         </p:nvSpPr>
         <p:spPr>
           <a:xfrm>
-            <a:off x="6873533" y="1883321"/>
+            <a:off x="3215870" y="1594420"/>
             <a:ext cx="365760" cy="365760"/>
           </a:xfrm>
           <a:prstGeom prst="ellipse">
@@ -15613,7 +16329,7 @@
         </p:nvSpPr>
         <p:spPr>
           <a:xfrm>
-            <a:off x="247880" y="2445296"/>
+            <a:off x="4628702" y="1616854"/>
             <a:ext cx="365760" cy="365760"/>
           </a:xfrm>
           <a:prstGeom prst="ellipse">
@@ -15675,7 +16391,7 @@
         </p:nvSpPr>
         <p:spPr>
           <a:xfrm>
-            <a:off x="613640" y="3521621"/>
+            <a:off x="6074039" y="1616854"/>
             <a:ext cx="365760" cy="365760"/>
           </a:xfrm>
           <a:prstGeom prst="ellipse">
@@ -15723,72 +16439,10 @@
           </a:p>
         </p:txBody>
       </p:sp>
-      <p:sp>
-        <p:nvSpPr>
-          <p:cNvPr id="17" name="Oval 16">
-            <a:extLst>
-              <a:ext uri="{FF2B5EF4-FFF2-40B4-BE49-F238E27FC236}">
-                <a16:creationId xmlns:a16="http://schemas.microsoft.com/office/drawing/2014/main" id="{D3419667-8A51-4EE8-9C7F-5F2D6643CA02}"/>
-              </a:ext>
-            </a:extLst>
-          </p:cNvPr>
-          <p:cNvSpPr/>
-          <p:nvPr/>
-        </p:nvSpPr>
-        <p:spPr>
-          <a:xfrm>
-            <a:off x="3032990" y="3338741"/>
-            <a:ext cx="365760" cy="365760"/>
-          </a:xfrm>
-          <a:prstGeom prst="ellipse">
-            <a:avLst/>
-          </a:prstGeom>
-          <a:solidFill>
-            <a:srgbClr val="FF0000"/>
-          </a:solidFill>
-          <a:ln>
-            <a:noFill/>
-          </a:ln>
-          <a:effectLst>
-            <a:outerShdw blurRad="50800" dist="38100" dir="2700000" algn="tl" rotWithShape="0">
-              <a:prstClr val="black">
-                <a:alpha val="40000"/>
-              </a:prstClr>
-            </a:outerShdw>
-          </a:effectLst>
-        </p:spPr>
-        <p:style>
-          <a:lnRef idx="2">
-            <a:schemeClr val="accent1">
-              <a:shade val="50000"/>
-            </a:schemeClr>
-          </a:lnRef>
-          <a:fillRef idx="1">
-            <a:schemeClr val="accent1"/>
-          </a:fillRef>
-          <a:effectRef idx="0">
-            <a:schemeClr val="accent1"/>
-          </a:effectRef>
-          <a:fontRef idx="minor">
-            <a:schemeClr val="lt1"/>
-          </a:fontRef>
-        </p:style>
-        <p:txBody>
-          <a:bodyPr rtlCol="0" anchor="ctr"/>
-          <a:lstStyle/>
-          <a:p>
-            <a:pPr algn="ctr"/>
-            <a:r>
-              <a:rPr lang="en-US" dirty="0"/>
-              <a:t>7</a:t>
-            </a:r>
-          </a:p>
-        </p:txBody>
-      </p:sp>
     </p:spTree>
     <p:extLst>
       <p:ext uri="{BB962C8B-B14F-4D97-AF65-F5344CB8AC3E}">
-        <p14:creationId xmlns:p14="http://schemas.microsoft.com/office/powerpoint/2010/main" val="525403414"/>
+        <p14:creationId xmlns:p14="http://schemas.microsoft.com/office/powerpoint/2010/main" val="44767455"/>
       </p:ext>
     </p:extLst>
   </p:cSld>
@@ -15817,10 +16471,10 @@
       </p:grpSpPr>
       <p:pic>
         <p:nvPicPr>
-          <p:cNvPr id="4" name="Picture 3">
-            <a:extLst>
-              <a:ext uri="{FF2B5EF4-FFF2-40B4-BE49-F238E27FC236}">
-                <a16:creationId xmlns:a16="http://schemas.microsoft.com/office/drawing/2014/main" id="{E488EC39-B4E9-4968-B61B-D4B8BFB5FD72}"/>
+          <p:cNvPr id="8" name="Picture 7">
+            <a:extLst>
+              <a:ext uri="{FF2B5EF4-FFF2-40B4-BE49-F238E27FC236}">
+                <a16:creationId xmlns:a16="http://schemas.microsoft.com/office/drawing/2014/main" id="{8B614B8E-C132-4E9A-B7D0-6068EF2E5380}"/>
               </a:ext>
             </a:extLst>
           </p:cNvPr>
@@ -15837,8 +16491,8 @@
         </p:blipFill>
         <p:spPr>
           <a:xfrm>
-            <a:off x="359642" y="900002"/>
-            <a:ext cx="7302690" cy="5454869"/>
+            <a:off x="359642" y="900003"/>
+            <a:ext cx="7555947" cy="5010726"/>
           </a:xfrm>
           <a:prstGeom prst="rect">
             <a:avLst/>
@@ -15898,7 +16552,7 @@
           <a:p>
             <a:r>
               <a:rPr lang="en-US" dirty="0"/>
-              <a:t>US View – increase in incidence from previous day</a:t>
+              <a:t>US View –incidence counts on latest day</a:t>
             </a:r>
           </a:p>
         </p:txBody>
@@ -15979,8 +16633,8 @@
         </p:nvSpPr>
         <p:spPr>
           <a:xfrm>
-            <a:off x="8013216" y="900003"/>
-            <a:ext cx="3702534" cy="5454869"/>
+            <a:off x="8013216" y="900004"/>
+            <a:ext cx="3702534" cy="5010726"/>
           </a:xfrm>
           <a:prstGeom prst="rect">
             <a:avLst/>
@@ -16007,7 +16661,7 @@
             </a:pPr>
             <a:r>
               <a:rPr lang="en-US" sz="1400" i="1" dirty="0"/>
-              <a:t>When this dashboard is launched from the command line, one can view the results in a web-browser</a:t>
+              <a:t>US-level view (only looking at the high risk states / towns)</a:t>
             </a:r>
           </a:p>
           <a:p>
@@ -16022,7 +16676,7 @@
             </a:pPr>
             <a:r>
               <a:rPr lang="en-US" sz="1400" i="1" dirty="0"/>
-              <a:t>US-level view (only looking at the high risk towns) looking at the grain of a town</a:t>
+              <a:t>The user has the ability to change the metric and view to get to the latest trends</a:t>
             </a:r>
           </a:p>
           <a:p>
@@ -16035,10 +16689,7 @@
             <a:pPr marL="342900" indent="-342900">
               <a:buAutoNum type="arabicParenR"/>
             </a:pPr>
-            <a:r>
-              <a:rPr lang="en-US" sz="1400" i="1" dirty="0"/>
-              <a:t>State-level view (only looking at the high risk towns) looking at the grain of a town</a:t>
-            </a:r>
+            <a:endParaRPr lang="en-US" sz="1400" i="1" dirty="0"/>
           </a:p>
           <a:p>
             <a:pPr marL="342900" indent="-342900">
@@ -16050,55 +16701,7 @@
             <a:pPr marL="342900" indent="-342900">
               <a:buAutoNum type="arabicParenR"/>
             </a:pPr>
-            <a:r>
-              <a:rPr lang="en-US" sz="1400" i="1" dirty="0"/>
-              <a:t>Town-level view to understand detailed trends</a:t>
-            </a:r>
-          </a:p>
-          <a:p>
-            <a:pPr marL="342900" indent="-342900">
-              <a:buAutoNum type="arabicParenR"/>
-            </a:pPr>
             <a:endParaRPr lang="en-US" sz="1400" i="1" dirty="0"/>
-          </a:p>
-          <a:p>
-            <a:pPr marL="342900" indent="-342900">
-              <a:buAutoNum type="arabicParenR"/>
-            </a:pPr>
-            <a:r>
-              <a:rPr lang="en-US" sz="1400" i="1" dirty="0"/>
-              <a:t>Various measures (population size, incidence, increase in incidence over the last day, deaths)</a:t>
-            </a:r>
-          </a:p>
-          <a:p>
-            <a:pPr marL="342900" indent="-342900">
-              <a:buAutoNum type="arabicParenR"/>
-            </a:pPr>
-            <a:endParaRPr lang="en-US" sz="1400" i="1" dirty="0"/>
-          </a:p>
-          <a:p>
-            <a:pPr marL="342900" indent="-342900">
-              <a:buAutoNum type="arabicParenR"/>
-            </a:pPr>
-            <a:r>
-              <a:rPr lang="en-US" sz="1400" i="1" dirty="0"/>
-              <a:t>The towns ranked ordered by descending risk</a:t>
-            </a:r>
-          </a:p>
-          <a:p>
-            <a:pPr marL="342900" indent="-342900">
-              <a:buAutoNum type="arabicParenR"/>
-            </a:pPr>
-            <a:endParaRPr lang="en-US" sz="1400" i="1" dirty="0"/>
-          </a:p>
-          <a:p>
-            <a:pPr marL="342900" indent="-342900">
-              <a:buAutoNum type="arabicParenR"/>
-            </a:pPr>
-            <a:r>
-              <a:rPr lang="en-US" sz="1400" i="1" dirty="0"/>
-              <a:t>A distribution of measure</a:t>
-            </a:r>
           </a:p>
         </p:txBody>
       </p:sp>
@@ -16116,7 +16719,7 @@
         </p:nvSpPr>
         <p:spPr>
           <a:xfrm>
-            <a:off x="2241857" y="1883321"/>
+            <a:off x="6891551" y="2729592"/>
             <a:ext cx="365760" cy="365760"/>
           </a:xfrm>
           <a:prstGeom prst="ellipse">
@@ -16178,7 +16781,7 @@
         </p:nvSpPr>
         <p:spPr>
           <a:xfrm>
-            <a:off x="4586949" y="1883321"/>
+            <a:off x="4137616" y="3222485"/>
             <a:ext cx="365760" cy="365760"/>
           </a:xfrm>
           <a:prstGeom prst="ellipse">
@@ -16222,254 +16825,6 @@
             <a:r>
               <a:rPr lang="en-US" dirty="0"/>
               <a:t>3</a:t>
-            </a:r>
-          </a:p>
-        </p:txBody>
-      </p:sp>
-      <p:sp>
-        <p:nvSpPr>
-          <p:cNvPr id="14" name="Oval 13">
-            <a:extLst>
-              <a:ext uri="{FF2B5EF4-FFF2-40B4-BE49-F238E27FC236}">
-                <a16:creationId xmlns:a16="http://schemas.microsoft.com/office/drawing/2014/main" id="{6722F98C-F563-455C-90F9-53010012A5A0}"/>
-              </a:ext>
-            </a:extLst>
-          </p:cNvPr>
-          <p:cNvSpPr/>
-          <p:nvPr/>
-        </p:nvSpPr>
-        <p:spPr>
-          <a:xfrm>
-            <a:off x="6873533" y="1883321"/>
-            <a:ext cx="365760" cy="365760"/>
-          </a:xfrm>
-          <a:prstGeom prst="ellipse">
-            <a:avLst/>
-          </a:prstGeom>
-          <a:solidFill>
-            <a:srgbClr val="FF0000"/>
-          </a:solidFill>
-          <a:ln>
-            <a:noFill/>
-          </a:ln>
-          <a:effectLst>
-            <a:outerShdw blurRad="50800" dist="38100" dir="2700000" algn="tl" rotWithShape="0">
-              <a:prstClr val="black">
-                <a:alpha val="40000"/>
-              </a:prstClr>
-            </a:outerShdw>
-          </a:effectLst>
-        </p:spPr>
-        <p:style>
-          <a:lnRef idx="2">
-            <a:schemeClr val="accent1">
-              <a:shade val="50000"/>
-            </a:schemeClr>
-          </a:lnRef>
-          <a:fillRef idx="1">
-            <a:schemeClr val="accent1"/>
-          </a:fillRef>
-          <a:effectRef idx="0">
-            <a:schemeClr val="accent1"/>
-          </a:effectRef>
-          <a:fontRef idx="minor">
-            <a:schemeClr val="lt1"/>
-          </a:fontRef>
-        </p:style>
-        <p:txBody>
-          <a:bodyPr rtlCol="0" anchor="ctr"/>
-          <a:lstStyle/>
-          <a:p>
-            <a:pPr algn="ctr"/>
-            <a:r>
-              <a:rPr lang="en-US" dirty="0"/>
-              <a:t>4</a:t>
-            </a:r>
-          </a:p>
-        </p:txBody>
-      </p:sp>
-      <p:sp>
-        <p:nvSpPr>
-          <p:cNvPr id="15" name="Oval 14">
-            <a:extLst>
-              <a:ext uri="{FF2B5EF4-FFF2-40B4-BE49-F238E27FC236}">
-                <a16:creationId xmlns:a16="http://schemas.microsoft.com/office/drawing/2014/main" id="{F0A33EB0-0AC0-4E46-921B-B29AF333E689}"/>
-              </a:ext>
-            </a:extLst>
-          </p:cNvPr>
-          <p:cNvSpPr/>
-          <p:nvPr/>
-        </p:nvSpPr>
-        <p:spPr>
-          <a:xfrm>
-            <a:off x="247880" y="2445296"/>
-            <a:ext cx="365760" cy="365760"/>
-          </a:xfrm>
-          <a:prstGeom prst="ellipse">
-            <a:avLst/>
-          </a:prstGeom>
-          <a:solidFill>
-            <a:srgbClr val="FF0000"/>
-          </a:solidFill>
-          <a:ln>
-            <a:noFill/>
-          </a:ln>
-          <a:effectLst>
-            <a:outerShdw blurRad="50800" dist="38100" dir="2700000" algn="tl" rotWithShape="0">
-              <a:prstClr val="black">
-                <a:alpha val="40000"/>
-              </a:prstClr>
-            </a:outerShdw>
-          </a:effectLst>
-        </p:spPr>
-        <p:style>
-          <a:lnRef idx="2">
-            <a:schemeClr val="accent1">
-              <a:shade val="50000"/>
-            </a:schemeClr>
-          </a:lnRef>
-          <a:fillRef idx="1">
-            <a:schemeClr val="accent1"/>
-          </a:fillRef>
-          <a:effectRef idx="0">
-            <a:schemeClr val="accent1"/>
-          </a:effectRef>
-          <a:fontRef idx="minor">
-            <a:schemeClr val="lt1"/>
-          </a:fontRef>
-        </p:style>
-        <p:txBody>
-          <a:bodyPr rtlCol="0" anchor="ctr"/>
-          <a:lstStyle/>
-          <a:p>
-            <a:pPr algn="ctr"/>
-            <a:r>
-              <a:rPr lang="en-US" dirty="0"/>
-              <a:t>5</a:t>
-            </a:r>
-          </a:p>
-        </p:txBody>
-      </p:sp>
-      <p:sp>
-        <p:nvSpPr>
-          <p:cNvPr id="16" name="Oval 15">
-            <a:extLst>
-              <a:ext uri="{FF2B5EF4-FFF2-40B4-BE49-F238E27FC236}">
-                <a16:creationId xmlns:a16="http://schemas.microsoft.com/office/drawing/2014/main" id="{279DE500-531F-4A3E-8589-6428F817E078}"/>
-              </a:ext>
-            </a:extLst>
-          </p:cNvPr>
-          <p:cNvSpPr/>
-          <p:nvPr/>
-        </p:nvSpPr>
-        <p:spPr>
-          <a:xfrm>
-            <a:off x="613640" y="3521621"/>
-            <a:ext cx="365760" cy="365760"/>
-          </a:xfrm>
-          <a:prstGeom prst="ellipse">
-            <a:avLst/>
-          </a:prstGeom>
-          <a:solidFill>
-            <a:srgbClr val="FF0000"/>
-          </a:solidFill>
-          <a:ln>
-            <a:noFill/>
-          </a:ln>
-          <a:effectLst>
-            <a:outerShdw blurRad="50800" dist="38100" dir="2700000" algn="tl" rotWithShape="0">
-              <a:prstClr val="black">
-                <a:alpha val="40000"/>
-              </a:prstClr>
-            </a:outerShdw>
-          </a:effectLst>
-        </p:spPr>
-        <p:style>
-          <a:lnRef idx="2">
-            <a:schemeClr val="accent1">
-              <a:shade val="50000"/>
-            </a:schemeClr>
-          </a:lnRef>
-          <a:fillRef idx="1">
-            <a:schemeClr val="accent1"/>
-          </a:fillRef>
-          <a:effectRef idx="0">
-            <a:schemeClr val="accent1"/>
-          </a:effectRef>
-          <a:fontRef idx="minor">
-            <a:schemeClr val="lt1"/>
-          </a:fontRef>
-        </p:style>
-        <p:txBody>
-          <a:bodyPr rtlCol="0" anchor="ctr"/>
-          <a:lstStyle/>
-          <a:p>
-            <a:pPr algn="ctr"/>
-            <a:r>
-              <a:rPr lang="en-US" dirty="0"/>
-              <a:t>6</a:t>
-            </a:r>
-          </a:p>
-        </p:txBody>
-      </p:sp>
-      <p:sp>
-        <p:nvSpPr>
-          <p:cNvPr id="17" name="Oval 16">
-            <a:extLst>
-              <a:ext uri="{FF2B5EF4-FFF2-40B4-BE49-F238E27FC236}">
-                <a16:creationId xmlns:a16="http://schemas.microsoft.com/office/drawing/2014/main" id="{D3419667-8A51-4EE8-9C7F-5F2D6643CA02}"/>
-              </a:ext>
-            </a:extLst>
-          </p:cNvPr>
-          <p:cNvSpPr/>
-          <p:nvPr/>
-        </p:nvSpPr>
-        <p:spPr>
-          <a:xfrm>
-            <a:off x="3032990" y="3338741"/>
-            <a:ext cx="365760" cy="365760"/>
-          </a:xfrm>
-          <a:prstGeom prst="ellipse">
-            <a:avLst/>
-          </a:prstGeom>
-          <a:solidFill>
-            <a:srgbClr val="FF0000"/>
-          </a:solidFill>
-          <a:ln>
-            <a:noFill/>
-          </a:ln>
-          <a:effectLst>
-            <a:outerShdw blurRad="50800" dist="38100" dir="2700000" algn="tl" rotWithShape="0">
-              <a:prstClr val="black">
-                <a:alpha val="40000"/>
-              </a:prstClr>
-            </a:outerShdw>
-          </a:effectLst>
-        </p:spPr>
-        <p:style>
-          <a:lnRef idx="2">
-            <a:schemeClr val="accent1">
-              <a:shade val="50000"/>
-            </a:schemeClr>
-          </a:lnRef>
-          <a:fillRef idx="1">
-            <a:schemeClr val="accent1"/>
-          </a:fillRef>
-          <a:effectRef idx="0">
-            <a:schemeClr val="accent1"/>
-          </a:effectRef>
-          <a:fontRef idx="minor">
-            <a:schemeClr val="lt1"/>
-          </a:fontRef>
-        </p:style>
-        <p:txBody>
-          <a:bodyPr rtlCol="0" anchor="ctr"/>
-          <a:lstStyle/>
-          <a:p>
-            <a:pPr algn="ctr"/>
-            <a:r>
-              <a:rPr lang="en-US" dirty="0"/>
-              <a:t>7</a:t>
             </a:r>
           </a:p>
         </p:txBody>
@@ -16506,10 +16861,10 @@
       </p:grpSpPr>
       <p:pic>
         <p:nvPicPr>
-          <p:cNvPr id="6" name="Picture 5">
-            <a:extLst>
-              <a:ext uri="{FF2B5EF4-FFF2-40B4-BE49-F238E27FC236}">
-                <a16:creationId xmlns:a16="http://schemas.microsoft.com/office/drawing/2014/main" id="{D12DFFB0-4717-43A1-9960-2A3EBE725278}"/>
+          <p:cNvPr id="4" name="Picture 3">
+            <a:extLst>
+              <a:ext uri="{FF2B5EF4-FFF2-40B4-BE49-F238E27FC236}">
+                <a16:creationId xmlns:a16="http://schemas.microsoft.com/office/drawing/2014/main" id="{D5F4571A-1871-4AE3-A9C9-25D277FA40ED}"/>
               </a:ext>
             </a:extLst>
           </p:cNvPr>
@@ -16526,12 +16881,19 @@
         </p:blipFill>
         <p:spPr>
           <a:xfrm>
-            <a:off x="359642" y="894606"/>
-            <a:ext cx="7302690" cy="5454869"/>
+            <a:off x="359643" y="894606"/>
+            <a:ext cx="7302690" cy="4842779"/>
           </a:xfrm>
           <a:prstGeom prst="rect">
             <a:avLst/>
           </a:prstGeom>
+          <a:effectLst>
+            <a:outerShdw blurRad="50800" dist="38100" dir="2700000" algn="tl" rotWithShape="0">
+              <a:prstClr val="black">
+                <a:alpha val="40000"/>
+              </a:prstClr>
+            </a:outerShdw>
+          </a:effectLst>
         </p:spPr>
       </p:pic>
       <p:sp>
@@ -16587,7 +16949,7 @@
           <a:p>
             <a:r>
               <a:rPr lang="en-US" dirty="0"/>
-              <a:t>State View (grain = town) – increase in incidence from previous day</a:t>
+              <a:t>State View (grain = town)</a:t>
             </a:r>
           </a:p>
         </p:txBody>
@@ -16606,7 +16968,7 @@
         </p:nvSpPr>
         <p:spPr>
           <a:xfrm>
-            <a:off x="2775621" y="1883321"/>
+            <a:off x="2975876" y="1548639"/>
             <a:ext cx="365760" cy="365760"/>
           </a:xfrm>
           <a:prstGeom prst="ellipse">
@@ -16668,8 +17030,8 @@
         </p:nvSpPr>
         <p:spPr>
           <a:xfrm>
-            <a:off x="8013216" y="900003"/>
-            <a:ext cx="3702534" cy="5454869"/>
+            <a:off x="8013216" y="900004"/>
+            <a:ext cx="3702534" cy="4837382"/>
           </a:xfrm>
           <a:prstGeom prst="rect">
             <a:avLst/>
@@ -16760,7 +17122,7 @@
         </p:nvSpPr>
         <p:spPr>
           <a:xfrm>
-            <a:off x="772881" y="2229307"/>
+            <a:off x="6096000" y="2528131"/>
             <a:ext cx="365760" cy="365760"/>
           </a:xfrm>
           <a:prstGeom prst="ellipse">
@@ -16822,7 +17184,7 @@
         </p:nvSpPr>
         <p:spPr>
           <a:xfrm>
-            <a:off x="476250" y="4232186"/>
+            <a:off x="110490" y="3246120"/>
             <a:ext cx="365760" cy="365760"/>
           </a:xfrm>
           <a:prstGeom prst="ellipse">
@@ -16884,7 +17246,7 @@
         </p:nvSpPr>
         <p:spPr>
           <a:xfrm>
-            <a:off x="3158756" y="4415066"/>
+            <a:off x="2792996" y="3246120"/>
             <a:ext cx="365760" cy="365760"/>
           </a:xfrm>
           <a:prstGeom prst="ellipse">
